--- a/Presentation-FakestoreAPI_TestAutomation.pptx
+++ b/Presentation-FakestoreAPI_TestAutomation.pptx
@@ -7,13 +7,13 @@
   <p:sldIdLst>
     <p:sldId id="256" r:id="rId2"/>
     <p:sldId id="257" r:id="rId3"/>
-    <p:sldId id="258" r:id="rId4"/>
-    <p:sldId id="262" r:id="rId5"/>
-    <p:sldId id="263" r:id="rId6"/>
-    <p:sldId id="264" r:id="rId7"/>
-    <p:sldId id="259" r:id="rId8"/>
-    <p:sldId id="261" r:id="rId9"/>
-    <p:sldId id="266" r:id="rId10"/>
+    <p:sldId id="264" r:id="rId4"/>
+    <p:sldId id="259" r:id="rId5"/>
+    <p:sldId id="261" r:id="rId6"/>
+    <p:sldId id="266" r:id="rId7"/>
+    <p:sldId id="258" r:id="rId8"/>
+    <p:sldId id="262" r:id="rId9"/>
+    <p:sldId id="263" r:id="rId10"/>
     <p:sldId id="267" r:id="rId11"/>
     <p:sldId id="268" r:id="rId12"/>
   </p:sldIdLst>
@@ -340,7 +340,7 @@
           <a:p>
             <a:fld id="{5BCAD085-E8A6-8845-BD4E-CB4CCA059FC4}" type="datetimeFigureOut">
               <a:rPr lang="en-US" smtClean="0"/>
-              <a:t>8/14/2025</a:t>
+              <a:t>8/17/2025</a:t>
             </a:fld>
             <a:endParaRPr lang="en-US"/>
           </a:p>
@@ -532,7 +532,7 @@
           <a:p>
             <a:fld id="{5BCAD085-E8A6-8845-BD4E-CB4CCA059FC4}" type="datetimeFigureOut">
               <a:rPr lang="en-US" smtClean="0"/>
-              <a:t>8/14/2025</a:t>
+              <a:t>8/17/2025</a:t>
             </a:fld>
             <a:endParaRPr lang="en-US"/>
           </a:p>
@@ -712,7 +712,7 @@
           <a:p>
             <a:fld id="{5BCAD085-E8A6-8845-BD4E-CB4CCA059FC4}" type="datetimeFigureOut">
               <a:rPr lang="en-US" smtClean="0"/>
-              <a:t>8/14/2025</a:t>
+              <a:t>8/17/2025</a:t>
             </a:fld>
             <a:endParaRPr lang="en-US"/>
           </a:p>
@@ -882,7 +882,7 @@
           <a:p>
             <a:fld id="{5BCAD085-E8A6-8845-BD4E-CB4CCA059FC4}" type="datetimeFigureOut">
               <a:rPr lang="en-US" smtClean="0"/>
-              <a:t>8/14/2025</a:t>
+              <a:t>8/17/2025</a:t>
             </a:fld>
             <a:endParaRPr lang="en-US"/>
           </a:p>
@@ -1136,7 +1136,7 @@
           <a:p>
             <a:fld id="{5BCAD085-E8A6-8845-BD4E-CB4CCA059FC4}" type="datetimeFigureOut">
               <a:rPr lang="en-US" smtClean="0"/>
-              <a:t>8/14/2025</a:t>
+              <a:t>8/17/2025</a:t>
             </a:fld>
             <a:endParaRPr lang="en-US"/>
           </a:p>
@@ -1462,7 +1462,7 @@
           <a:p>
             <a:fld id="{5BCAD085-E8A6-8845-BD4E-CB4CCA059FC4}" type="datetimeFigureOut">
               <a:rPr lang="en-US" smtClean="0"/>
-              <a:t>8/14/2025</a:t>
+              <a:t>8/17/2025</a:t>
             </a:fld>
             <a:endParaRPr lang="en-US"/>
           </a:p>
@@ -1882,7 +1882,7 @@
           <a:p>
             <a:fld id="{5BCAD085-E8A6-8845-BD4E-CB4CCA059FC4}" type="datetimeFigureOut">
               <a:rPr lang="en-US" smtClean="0"/>
-              <a:t>8/14/2025</a:t>
+              <a:t>8/17/2025</a:t>
             </a:fld>
             <a:endParaRPr lang="en-US"/>
           </a:p>
@@ -2000,7 +2000,7 @@
           <a:p>
             <a:fld id="{5BCAD085-E8A6-8845-BD4E-CB4CCA059FC4}" type="datetimeFigureOut">
               <a:rPr lang="en-US" smtClean="0"/>
-              <a:t>8/14/2025</a:t>
+              <a:t>8/17/2025</a:t>
             </a:fld>
             <a:endParaRPr lang="en-US"/>
           </a:p>
@@ -2095,7 +2095,7 @@
           <a:p>
             <a:fld id="{5BCAD085-E8A6-8845-BD4E-CB4CCA059FC4}" type="datetimeFigureOut">
               <a:rPr lang="en-US" smtClean="0"/>
-              <a:t>8/14/2025</a:t>
+              <a:t>8/17/2025</a:t>
             </a:fld>
             <a:endParaRPr lang="en-US"/>
           </a:p>
@@ -2382,7 +2382,7 @@
           <a:p>
             <a:fld id="{5BCAD085-E8A6-8845-BD4E-CB4CCA059FC4}" type="datetimeFigureOut">
               <a:rPr lang="en-US" smtClean="0"/>
-              <a:t>8/14/2025</a:t>
+              <a:t>8/17/2025</a:t>
             </a:fld>
             <a:endParaRPr lang="en-US"/>
           </a:p>
@@ -2704,7 +2704,7 @@
           <a:p>
             <a:fld id="{5BCAD085-E8A6-8845-BD4E-CB4CCA059FC4}" type="datetimeFigureOut">
               <a:rPr lang="en-US" smtClean="0"/>
-              <a:t>8/14/2025</a:t>
+              <a:t>8/17/2025</a:t>
             </a:fld>
             <a:endParaRPr lang="en-US"/>
           </a:p>
@@ -2958,7 +2958,7 @@
           <a:p>
             <a:fld id="{5BCAD085-E8A6-8845-BD4E-CB4CCA059FC4}" type="datetimeFigureOut">
               <a:rPr lang="en-US" smtClean="0"/>
-              <a:t>8/14/2025</a:t>
+              <a:t>8/17/2025</a:t>
             </a:fld>
             <a:endParaRPr lang="en-US"/>
           </a:p>
@@ -3907,12 +3907,7 @@
             <p:ph type="title"/>
           </p:nvPr>
         </p:nvSpPr>
-        <p:spPr>
-          <a:xfrm>
-            <a:off x="750461" y="289560"/>
-            <a:ext cx="7269480" cy="1325562"/>
-          </a:xfrm>
-        </p:spPr>
+        <p:spPr/>
         <p:txBody>
           <a:bodyPr>
             <a:normAutofit/>
@@ -3920,12 +3915,15 @@
           <a:lstStyle/>
           <a:p>
             <a:r>
-              <a:rPr sz="3200" dirty="0"/>
-              <a:t>Maven Project Structure</a:t>
-            </a:r>
-            <a:r>
               <a:rPr lang="en-US" sz="3200" dirty="0"/>
-              <a:t> &amp; Files</a:t>
+              <a:t>Fakestoreapi.com </a:t>
+            </a:r>
+            <a:br>
+              <a:rPr lang="en-US" sz="3200" dirty="0"/>
+            </a:br>
+            <a:r>
+              <a:rPr lang="en-US" sz="3200" dirty="0"/>
+              <a:t>APIs &amp; Endpoints</a:t>
             </a:r>
             <a:endParaRPr sz="3200" dirty="0"/>
           </a:p>
@@ -3941,99 +3939,80 @@
             <p:ph idx="1"/>
           </p:nvPr>
         </p:nvSpPr>
-        <p:spPr/>
-        <p:txBody>
-          <a:bodyPr/>
-          <a:lstStyle/>
-          <a:p>
-            <a:r>
-              <a:rPr dirty="0" err="1"/>
-              <a:t>src</a:t>
-            </a:r>
-            <a:r>
-              <a:rPr dirty="0"/>
-              <a:t>/test/java - Test classes</a:t>
-            </a:r>
-            <a:r>
-              <a:rPr lang="en-US" dirty="0"/>
-              <a:t> &amp; Utility files</a:t>
-            </a:r>
-          </a:p>
-          <a:p>
-            <a:pPr marL="274320" lvl="1" indent="0">
-              <a:buNone/>
+        <p:spPr>
+          <a:xfrm>
+            <a:off x="946404" y="1828801"/>
+            <a:ext cx="6446520" cy="3657599"/>
+          </a:xfrm>
+        </p:spPr>
+        <p:txBody>
+          <a:bodyPr>
+            <a:normAutofit/>
+          </a:bodyPr>
+          <a:lstStyle/>
+          <a:p>
+            <a:pPr>
+              <a:defRPr sz="1400"/>
             </a:pPr>
             <a:r>
-              <a:rPr lang="en-US" dirty="0"/>
-              <a:t>-Routes.java (storing </a:t>
-            </a:r>
-            <a:r>
-              <a:rPr lang="en-US" dirty="0" err="1"/>
-              <a:t>urls</a:t>
-            </a:r>
-            <a:r>
-              <a:rPr lang="en-US" dirty="0"/>
-              <a:t>)</a:t>
-            </a:r>
-          </a:p>
-          <a:p>
-            <a:pPr marL="274320" lvl="1" indent="0">
-              <a:buNone/>
+              <a:rPr lang="en-US" sz="1700" dirty="0"/>
+              <a:t>API Base URL: https://fakestoreapi.com/users</a:t>
+            </a:r>
+          </a:p>
+          <a:p>
+            <a:pPr marL="0" indent="0">
+              <a:buNone/>
+              <a:defRPr sz="1400"/>
             </a:pPr>
             <a:r>
-              <a:rPr lang="en-US" dirty="0"/>
-              <a:t>-User.java (payload)</a:t>
-            </a:r>
-          </a:p>
-          <a:p>
-            <a:pPr marL="274320" lvl="1" indent="0">
-              <a:buNone/>
+              <a:rPr lang="en-US" sz="2200" b="1" dirty="0"/>
+              <a:t>Endpoints:</a:t>
+            </a:r>
+          </a:p>
+          <a:p>
+            <a:pPr>
+              <a:defRPr sz="1400"/>
             </a:pPr>
             <a:r>
-              <a:rPr lang="en-US" dirty="0"/>
-              <a:t>-UserEndPoints.java ( set-up endpoints &amp; test methods)</a:t>
-            </a:r>
-          </a:p>
-          <a:p>
-            <a:pPr marL="274320" lvl="1" indent="0">
-              <a:buNone/>
+              <a:rPr lang="en-US" sz="1700" dirty="0"/>
+              <a:t>GET /users - Retrieve all users</a:t>
+            </a:r>
+          </a:p>
+          <a:p>
+            <a:pPr>
+              <a:defRPr sz="1400"/>
             </a:pPr>
             <a:r>
-              <a:rPr lang="en-US" dirty="0"/>
-              <a:t>-UserTests.java (test cases)</a:t>
-            </a:r>
-          </a:p>
-          <a:p>
-            <a:pPr marL="274320" lvl="1" indent="0">
-              <a:buNone/>
+              <a:rPr lang="en-US" sz="1700" dirty="0"/>
+              <a:t>GET /users/{id} - Retrieve a single user by ID</a:t>
+            </a:r>
+          </a:p>
+          <a:p>
+            <a:pPr>
+              <a:defRPr sz="1400"/>
             </a:pPr>
             <a:r>
-              <a:rPr lang="en-US" dirty="0"/>
-              <a:t>-ExtentReportsManager.java (utility file reports)</a:t>
-            </a:r>
-            <a:endParaRPr dirty="0"/>
-          </a:p>
-          <a:p>
-            <a:r>
-              <a:rPr dirty="0"/>
-              <a:t>pom.xml - Dependency management (Rest Assured, TestNG, Extent Reports)</a:t>
-            </a:r>
-          </a:p>
-          <a:p>
-            <a:r>
-              <a:rPr dirty="0"/>
-              <a:t>testng.xml - Test suite configuration</a:t>
-            </a:r>
-            <a:endParaRPr lang="en-US" dirty="0"/>
-          </a:p>
-          <a:p>
-            <a:r>
-              <a:rPr lang="en-US" dirty="0"/>
-              <a:t>Reports – Test execution reports</a:t>
-            </a:r>
-          </a:p>
-          <a:p>
-            <a:endParaRPr dirty="0"/>
+              <a:rPr lang="en-US" sz="1700" dirty="0"/>
+              <a:t>POST /users - Add a new user</a:t>
+            </a:r>
+          </a:p>
+          <a:p>
+            <a:pPr>
+              <a:defRPr sz="1400"/>
+            </a:pPr>
+            <a:r>
+              <a:rPr lang="en-US" sz="1700" dirty="0"/>
+              <a:t>PUT /users/{id} - Update an existing user</a:t>
+            </a:r>
+          </a:p>
+          <a:p>
+            <a:pPr>
+              <a:defRPr sz="1400"/>
+            </a:pPr>
+            <a:r>
+              <a:rPr lang="en-US" sz="1700" dirty="0"/>
+              <a:t>DELETE /users/{id} - Delete a user</a:t>
+            </a:r>
           </a:p>
         </p:txBody>
       </p:sp>
@@ -4074,8 +4053,8 @@
         </p:nvSpPr>
         <p:spPr>
           <a:xfrm>
-            <a:off x="946404" y="349591"/>
-            <a:ext cx="7269480" cy="1325562"/>
+            <a:off x="643237" y="169818"/>
+            <a:ext cx="6856911" cy="1325562"/>
           </a:xfrm>
         </p:spPr>
         <p:txBody>
@@ -4085,10 +4064,9 @@
           <a:lstStyle/>
           <a:p>
             <a:r>
-              <a:rPr lang="en-US" sz="3200" dirty="0"/>
-              <a:t>Tools/Framework Overview:</a:t>
-            </a:r>
-            <a:endParaRPr sz="3200" dirty="0"/>
+              <a:rPr sz="3200" dirty="0"/>
+              <a:t>CRUD Operations in API Testing</a:t>
+            </a:r>
           </a:p>
         </p:txBody>
       </p:sp>
@@ -4104,79 +4082,42 @@
         </p:nvSpPr>
         <p:spPr>
           <a:xfrm>
-            <a:off x="1033489" y="1675153"/>
-            <a:ext cx="6695367" cy="4703875"/>
+            <a:off x="741208" y="1651047"/>
+            <a:ext cx="6446520" cy="1854154"/>
           </a:xfrm>
         </p:spPr>
         <p:txBody>
-          <a:bodyPr>
-            <a:normAutofit/>
-          </a:bodyPr>
-          <a:lstStyle/>
+          <a:bodyPr/>
+          <a:lstStyle/>
+          <a:p>
+            <a:r>
+              <a:rPr dirty="0"/>
+              <a:t>GET - Retrieve all users or a single user by ID</a:t>
+            </a:r>
+          </a:p>
+          <a:p>
+            <a:r>
+              <a:rPr dirty="0"/>
+              <a:t>POST - Add a new user with request body</a:t>
+            </a:r>
+          </a:p>
+          <a:p>
+            <a:r>
+              <a:rPr dirty="0"/>
+              <a:t>PUT - Update an existing user's details</a:t>
+            </a:r>
+          </a:p>
+          <a:p>
+            <a:r>
+              <a:rPr dirty="0"/>
+              <a:t>DELETE - Remove a user by ID</a:t>
+            </a:r>
+            <a:endParaRPr lang="en-US" dirty="0"/>
+          </a:p>
           <a:p>
             <a:pPr marL="0" indent="0">
               <a:buNone/>
             </a:pPr>
-            <a:r>
-              <a:rPr lang="en-US" sz="2200" b="1" dirty="0"/>
-              <a:t>Rest Assured:</a:t>
-            </a:r>
-            <a:endParaRPr sz="2200" b="1" dirty="0"/>
-          </a:p>
-          <a:p>
-            <a:r>
-              <a:rPr lang="en-US" dirty="0"/>
-              <a:t>Java library for REST API automation.</a:t>
-            </a:r>
-          </a:p>
-          <a:p>
-            <a:pPr marL="0" indent="0">
-              <a:buNone/>
-            </a:pPr>
-            <a:r>
-              <a:rPr lang="en-US" sz="2200" b="1" dirty="0"/>
-              <a:t>TestNG:</a:t>
-            </a:r>
-          </a:p>
-          <a:p>
-            <a:r>
-              <a:rPr lang="en-US" dirty="0"/>
-              <a:t>Testing framework for structuring and managing test cases.</a:t>
-            </a:r>
-          </a:p>
-          <a:p>
-            <a:r>
-              <a:rPr lang="en-US" dirty="0"/>
-              <a:t>Use @Test annotations to define &amp; prioritize test cases.</a:t>
-            </a:r>
-          </a:p>
-          <a:p>
-            <a:r>
-              <a:rPr lang="en-US" dirty="0"/>
-              <a:t>Use @BeforeClass for setup (payload, authentication </a:t>
-            </a:r>
-            <a:r>
-              <a:rPr lang="en-US" dirty="0" err="1"/>
-              <a:t>etc</a:t>
-            </a:r>
-            <a:r>
-              <a:rPr lang="en-US" dirty="0"/>
-              <a:t>).</a:t>
-            </a:r>
-          </a:p>
-          <a:p>
-            <a:r>
-              <a:rPr lang="en-US" dirty="0"/>
-              <a:t>Use assertions to validate API responses.</a:t>
-            </a:r>
-          </a:p>
-          <a:p>
-            <a:endParaRPr lang="en-US" dirty="0"/>
-          </a:p>
-          <a:p>
-            <a:endParaRPr lang="en-US" dirty="0"/>
-          </a:p>
-          <a:p>
             <a:endParaRPr dirty="0"/>
           </a:p>
         </p:txBody>
@@ -4224,10 +4165,26 @@
           <a:lstStyle/>
           <a:p>
             <a:r>
-              <a:rPr lang="en-US" sz="3200" dirty="0"/>
-              <a:t>Tools/Framework Overview:</a:t>
-            </a:r>
-            <a:endParaRPr sz="3200" dirty="0"/>
+              <a:rPr lang="en-US" sz="3400" dirty="0"/>
+              <a:t>API</a:t>
+            </a:r>
+            <a:r>
+              <a:rPr sz="3400" dirty="0"/>
+              <a:t> Test</a:t>
+            </a:r>
+            <a:r>
+              <a:rPr lang="en-US" sz="3400" dirty="0"/>
+              <a:t>ing</a:t>
+            </a:r>
+            <a:r>
+              <a:rPr sz="3400" dirty="0"/>
+              <a:t> S</a:t>
+            </a:r>
+            <a:r>
+              <a:rPr lang="en-US" sz="3400" dirty="0"/>
+              <a:t>tatus Codes</a:t>
+            </a:r>
+            <a:endParaRPr sz="3400" dirty="0"/>
           </a:p>
         </p:txBody>
       </p:sp>
@@ -4244,12 +4201,12 @@
         <p:spPr>
           <a:xfrm>
             <a:off x="946404" y="1828801"/>
-            <a:ext cx="6446520" cy="4278085"/>
+            <a:ext cx="6446520" cy="4299856"/>
           </a:xfrm>
         </p:spPr>
         <p:txBody>
           <a:bodyPr>
-            <a:normAutofit lnSpcReduction="10000"/>
+            <a:normAutofit/>
           </a:bodyPr>
           <a:lstStyle/>
           <a:p>
@@ -4257,26 +4214,38 @@
               <a:buNone/>
             </a:pPr>
             <a:r>
-              <a:rPr lang="en-US" sz="2200" b="1" dirty="0"/>
-              <a:t>Extent Reports:</a:t>
-            </a:r>
-          </a:p>
-          <a:p>
-            <a:r>
               <a:rPr lang="en-US" dirty="0"/>
-              <a:t>Library for generating interactive HTML reports.</a:t>
-            </a:r>
-          </a:p>
-          <a:p>
+              <a:t>=&gt;</a:t>
+            </a:r>
+            <a:r>
+              <a:rPr lang="en-US" b="1" dirty="0"/>
+              <a:t>200, 201</a:t>
+            </a:r>
+            <a:r>
+              <a:rPr b="1" dirty="0"/>
+              <a:t>: </a:t>
+            </a:r>
+            <a:r>
+              <a:rPr lang="en-US" b="1" dirty="0"/>
+              <a:t>Success Codes</a:t>
+            </a:r>
+          </a:p>
+          <a:p>
+            <a:pPr marL="0" indent="0">
+              <a:buNone/>
+            </a:pPr>
             <a:r>
               <a:rPr lang="en-US" dirty="0"/>
-              <a:t>Integrates with TestNG listeners for automated report generation.</a:t>
-            </a:r>
-          </a:p>
-          <a:p>
+              <a:t>200-Request succeeded and response contains result</a:t>
+            </a:r>
+          </a:p>
+          <a:p>
+            <a:pPr marL="0" indent="0">
+              <a:buNone/>
+            </a:pPr>
             <a:r>
               <a:rPr lang="en-US" dirty="0"/>
-              <a:t>Capture request/response logs and pass/fail status for each test case</a:t>
+              <a:t>201-Resource successfully created</a:t>
             </a:r>
           </a:p>
           <a:p>
@@ -4284,14 +4253,12 @@
               <a:buNone/>
             </a:pPr>
             <a:r>
-              <a:rPr lang="en-US" sz="2200" b="1" dirty="0"/>
-              <a:t>Eclipse:</a:t>
-            </a:r>
-          </a:p>
-          <a:p>
-            <a:r>
               <a:rPr lang="en-US" dirty="0"/>
-              <a:t>open-source IDE, built on a plugin-based architecture</a:t>
+              <a:t>=&gt;</a:t>
+            </a:r>
+            <a:r>
+              <a:rPr lang="en-US" b="1" dirty="0"/>
+              <a:t>400,401,404 and 405 (Client Error Codes)</a:t>
             </a:r>
           </a:p>
           <a:p>
@@ -4299,21 +4266,36 @@
               <a:buNone/>
             </a:pPr>
             <a:r>
-              <a:rPr lang="en-US" sz="2200" b="1" dirty="0"/>
-              <a:t>Maven:</a:t>
-            </a:r>
-          </a:p>
-          <a:p>
-            <a:r>
               <a:rPr lang="en-US" dirty="0"/>
-              <a:t>Ensures dependency management and build automation</a:t>
-            </a:r>
-          </a:p>
-          <a:p>
-            <a:endParaRPr lang="en-US" dirty="0"/>
-          </a:p>
-          <a:p>
-            <a:endParaRPr lang="en-US" dirty="0"/>
+              <a:t>400-Bad Request(Invalid input or malformed syntax)</a:t>
+            </a:r>
+          </a:p>
+          <a:p>
+            <a:pPr marL="0" indent="0">
+              <a:buNone/>
+            </a:pPr>
+            <a:r>
+              <a:rPr lang="en-US" dirty="0"/>
+              <a:t>401-Unauthorized(Authentication required or failed)</a:t>
+            </a:r>
+          </a:p>
+          <a:p>
+            <a:pPr marL="0" indent="0">
+              <a:buNone/>
+            </a:pPr>
+            <a:r>
+              <a:rPr lang="en-US" dirty="0"/>
+              <a:t>403-Not Found(Resource doesn’t exist)</a:t>
+            </a:r>
+          </a:p>
+          <a:p>
+            <a:pPr marL="0" indent="0">
+              <a:buNone/>
+            </a:pPr>
+            <a:r>
+              <a:rPr lang="en-US" dirty="0"/>
+              <a:t>405-(Method Not Allowed(HTTP method not supported for endpoint)</a:t>
+            </a:r>
           </a:p>
         </p:txBody>
       </p:sp>
@@ -4360,17 +4342,10 @@
           <a:lstStyle/>
           <a:p>
             <a:r>
-              <a:rPr lang="en-US" sz="3200" dirty="0"/>
-              <a:t>Fakestoreapi.com </a:t>
-            </a:r>
-            <a:br>
-              <a:rPr lang="en-US" sz="3200" dirty="0"/>
-            </a:br>
-            <a:r>
-              <a:rPr lang="en-US" sz="3200" dirty="0"/>
-              <a:t>APIs &amp; Endpoints</a:t>
-            </a:r>
-            <a:endParaRPr sz="3200" dirty="0"/>
+              <a:rPr lang="en-US" sz="3000" dirty="0"/>
+              <a:t>API Testing Status Codes</a:t>
+            </a:r>
+            <a:endParaRPr sz="3000" dirty="0"/>
           </a:p>
         </p:txBody>
       </p:sp>
@@ -4387,76 +4362,121 @@
         <p:spPr>
           <a:xfrm>
             <a:off x="946404" y="1828801"/>
-            <a:ext cx="6446520" cy="3657599"/>
+            <a:ext cx="6446520" cy="1676399"/>
           </a:xfrm>
         </p:spPr>
         <p:txBody>
-          <a:bodyPr>
-            <a:normAutofit/>
+          <a:bodyPr/>
+          <a:lstStyle/>
+          <a:p>
+            <a:pPr marL="0" indent="0">
+              <a:buNone/>
+            </a:pPr>
+            <a:r>
+              <a:rPr lang="en-US" dirty="0"/>
+              <a:t>=&gt;</a:t>
+            </a:r>
+            <a:r>
+              <a:rPr lang="en-US" b="1" dirty="0"/>
+              <a:t>500, 503 (Server Error Codes)</a:t>
+            </a:r>
+          </a:p>
+          <a:p>
+            <a:pPr marL="0" indent="0">
+              <a:buNone/>
+            </a:pPr>
+            <a:r>
+              <a:rPr lang="en-US" dirty="0"/>
+              <a:t>500-Internal Server Error (Generic server failure)</a:t>
+            </a:r>
+          </a:p>
+          <a:p>
+            <a:pPr marL="0" indent="0">
+              <a:buNone/>
+            </a:pPr>
+            <a:r>
+              <a:rPr lang="en-US" dirty="0"/>
+              <a:t>503-Service Unavailable (Server temporarily down)</a:t>
+            </a:r>
+          </a:p>
+          <a:p>
+            <a:pPr marL="0" indent="0">
+              <a:buNone/>
+            </a:pPr>
+            <a:endParaRPr lang="en-US" dirty="0"/>
+          </a:p>
+        </p:txBody>
+      </p:sp>
+      <p:sp>
+        <p:nvSpPr>
+          <p:cNvPr id="5" name="TextBox 4">
+            <a:extLst>
+              <a:ext uri="{FF2B5EF4-FFF2-40B4-BE49-F238E27FC236}">
+                <a16:creationId xmlns:a16="http://schemas.microsoft.com/office/drawing/2014/main" id="{686D72B1-7D87-B3C5-D6B0-0BE8760E477B}"/>
+              </a:ext>
+            </a:extLst>
+          </p:cNvPr>
+          <p:cNvSpPr txBox="1"/>
+          <p:nvPr/>
+        </p:nvSpPr>
+        <p:spPr>
+          <a:xfrm>
+            <a:off x="946404" y="3429000"/>
+            <a:ext cx="4577442" cy="553998"/>
+          </a:xfrm>
+          <a:prstGeom prst="rect">
+            <a:avLst/>
+          </a:prstGeom>
+          <a:noFill/>
+        </p:spPr>
+        <p:txBody>
+          <a:bodyPr wrap="square">
+            <a:spAutoFit/>
           </a:bodyPr>
           <a:lstStyle/>
           <a:p>
-            <a:pPr>
-              <a:defRPr sz="1400"/>
-            </a:pPr>
-            <a:r>
-              <a:rPr lang="en-US" sz="1700" dirty="0"/>
-              <a:t>API Base URL: https://fakestoreapi.com/users</a:t>
-            </a:r>
-          </a:p>
-          <a:p>
-            <a:pPr marL="0" indent="0">
-              <a:buNone/>
-              <a:defRPr sz="1400"/>
-            </a:pPr>
-            <a:r>
-              <a:rPr lang="en-US" sz="2200" b="1" dirty="0"/>
-              <a:t>Endpoints:</a:t>
-            </a:r>
-          </a:p>
-          <a:p>
-            <a:pPr>
-              <a:defRPr sz="1400"/>
-            </a:pPr>
-            <a:r>
-              <a:rPr lang="en-US" sz="1700" dirty="0"/>
-              <a:t>GET /users - Retrieve all users</a:t>
-            </a:r>
-          </a:p>
-          <a:p>
-            <a:pPr>
-              <a:defRPr sz="1400"/>
-            </a:pPr>
-            <a:r>
-              <a:rPr lang="en-US" sz="1700" dirty="0"/>
-              <a:t>GET /users/{id} - Retrieve a single user by ID</a:t>
-            </a:r>
-          </a:p>
-          <a:p>
-            <a:pPr>
-              <a:defRPr sz="1400"/>
-            </a:pPr>
-            <a:r>
-              <a:rPr lang="en-US" sz="1700" dirty="0"/>
-              <a:t>POST /users - Add a new user</a:t>
-            </a:r>
-          </a:p>
-          <a:p>
-            <a:pPr>
-              <a:defRPr sz="1400"/>
-            </a:pPr>
-            <a:r>
-              <a:rPr lang="en-US" sz="1700" dirty="0"/>
-              <a:t>PUT /users/{id} - Update an existing user</a:t>
-            </a:r>
-          </a:p>
-          <a:p>
-            <a:pPr>
-              <a:defRPr sz="1400"/>
-            </a:pPr>
-            <a:r>
-              <a:rPr lang="en-US" sz="1700" dirty="0"/>
-              <a:t>DELETE /users/{id} - Delete a user</a:t>
+            <a:r>
+              <a:rPr lang="en-US" sz="3000" dirty="0"/>
+              <a:t>Assumptions</a:t>
+            </a:r>
+            <a:r>
+              <a:rPr lang="en-US" dirty="0"/>
+              <a:t>:</a:t>
+            </a:r>
+          </a:p>
+        </p:txBody>
+      </p:sp>
+      <p:sp>
+        <p:nvSpPr>
+          <p:cNvPr id="7" name="TextBox 6">
+            <a:extLst>
+              <a:ext uri="{FF2B5EF4-FFF2-40B4-BE49-F238E27FC236}">
+                <a16:creationId xmlns:a16="http://schemas.microsoft.com/office/drawing/2014/main" id="{E342496E-9014-B4AD-ADA9-A7443A8F0B07}"/>
+              </a:ext>
+            </a:extLst>
+          </p:cNvPr>
+          <p:cNvSpPr txBox="1"/>
+          <p:nvPr/>
+        </p:nvSpPr>
+        <p:spPr>
+          <a:xfrm>
+            <a:off x="946404" y="3992434"/>
+            <a:ext cx="6446520" cy="1477328"/>
+          </a:xfrm>
+          <a:prstGeom prst="rect">
+            <a:avLst/>
+          </a:prstGeom>
+          <a:noFill/>
+        </p:spPr>
+        <p:txBody>
+          <a:bodyPr wrap="square">
+            <a:spAutoFit/>
+          </a:bodyPr>
+          <a:lstStyle/>
+          <a:p>
+            <a:r>
+              <a:rPr lang="en-US" dirty="0"/>
+              <a:t>Negative scenarios will focus on invalid inputs, unauthorized access attempts, and simulated server failures, assuming that the API layers responsible for these responses are properly deployed and configured in the test environment</a:t>
             </a:r>
           </a:p>
         </p:txBody>
@@ -4498,8 +4518,8 @@
         </p:nvSpPr>
         <p:spPr>
           <a:xfrm>
-            <a:off x="643237" y="169818"/>
-            <a:ext cx="6856911" cy="1325562"/>
+            <a:off x="750461" y="289560"/>
+            <a:ext cx="7269480" cy="1325562"/>
           </a:xfrm>
         </p:spPr>
         <p:txBody>
@@ -4510,8 +4530,13 @@
           <a:p>
             <a:r>
               <a:rPr sz="3200" dirty="0"/>
-              <a:t>CRUD Operations in API Testing</a:t>
-            </a:r>
+              <a:t>Maven Project Structure</a:t>
+            </a:r>
+            <a:r>
+              <a:rPr lang="en-US" sz="3200" dirty="0"/>
+              <a:t> &amp; Files</a:t>
+            </a:r>
+            <a:endParaRPr sz="3200" dirty="0"/>
           </a:p>
         </p:txBody>
       </p:sp>
@@ -4525,44 +4550,98 @@
             <p:ph idx="1"/>
           </p:nvPr>
         </p:nvSpPr>
-        <p:spPr>
-          <a:xfrm>
-            <a:off x="741208" y="1651047"/>
-            <a:ext cx="6446520" cy="1854154"/>
-          </a:xfrm>
-        </p:spPr>
+        <p:spPr/>
         <p:txBody>
           <a:bodyPr/>
           <a:lstStyle/>
           <a:p>
             <a:r>
+              <a:rPr dirty="0" err="1"/>
+              <a:t>src</a:t>
+            </a:r>
+            <a:r>
               <a:rPr dirty="0"/>
-              <a:t>GET - Retrieve all users or a single user by ID</a:t>
-            </a:r>
+              <a:t>/test/java - Test classes</a:t>
+            </a:r>
+            <a:r>
+              <a:rPr lang="en-US" dirty="0"/>
+              <a:t> &amp; Utility files</a:t>
+            </a:r>
+          </a:p>
+          <a:p>
+            <a:pPr marL="274320" lvl="1" indent="0">
+              <a:buNone/>
+            </a:pPr>
+            <a:r>
+              <a:rPr lang="en-US" dirty="0"/>
+              <a:t>-Routes.java (storing </a:t>
+            </a:r>
+            <a:r>
+              <a:rPr lang="en-US" dirty="0" err="1"/>
+              <a:t>urls</a:t>
+            </a:r>
+            <a:r>
+              <a:rPr lang="en-US" dirty="0"/>
+              <a:t>)</a:t>
+            </a:r>
+          </a:p>
+          <a:p>
+            <a:pPr marL="274320" lvl="1" indent="0">
+              <a:buNone/>
+            </a:pPr>
+            <a:r>
+              <a:rPr lang="en-US" dirty="0"/>
+              <a:t>-User.java (payload)</a:t>
+            </a:r>
+          </a:p>
+          <a:p>
+            <a:pPr marL="274320" lvl="1" indent="0">
+              <a:buNone/>
+            </a:pPr>
+            <a:r>
+              <a:rPr lang="en-US" dirty="0"/>
+              <a:t>-UserEndPoints.java ( set-up endpoints &amp; test methods)</a:t>
+            </a:r>
+          </a:p>
+          <a:p>
+            <a:pPr marL="274320" lvl="1" indent="0">
+              <a:buNone/>
+            </a:pPr>
+            <a:r>
+              <a:rPr lang="en-US" dirty="0"/>
+              <a:t>-UserTests.java (test cases)</a:t>
+            </a:r>
+          </a:p>
+          <a:p>
+            <a:pPr marL="274320" lvl="1" indent="0">
+              <a:buNone/>
+            </a:pPr>
+            <a:r>
+              <a:rPr lang="en-US" dirty="0"/>
+              <a:t>-ExtentReportsManager.java (utility file reports)</a:t>
+            </a:r>
+            <a:endParaRPr dirty="0"/>
           </a:p>
           <a:p>
             <a:r>
               <a:rPr dirty="0"/>
-              <a:t>POST - Add a new user with request body</a:t>
+              <a:t>pom.xml - Dependency management (Rest Assured, TestNG, Extent Reports)</a:t>
             </a:r>
           </a:p>
           <a:p>
             <a:r>
               <a:rPr dirty="0"/>
-              <a:t>PUT - Update an existing user's details</a:t>
-            </a:r>
-          </a:p>
-          <a:p>
-            <a:r>
-              <a:rPr dirty="0"/>
-              <a:t>DELETE - Remove a user by ID</a:t>
+              <a:t>testng.xml - Test suite configuration</a:t>
             </a:r>
             <a:endParaRPr lang="en-US" dirty="0"/>
           </a:p>
           <a:p>
-            <a:pPr marL="0" indent="0">
-              <a:buNone/>
-            </a:pPr>
+            <a:r>
+              <a:rPr lang="en-US" dirty="0"/>
+              <a:t>Reports – Test execution reports</a:t>
+            </a:r>
+          </a:p>
+          <a:p>
             <a:endParaRPr dirty="0"/>
           </a:p>
         </p:txBody>
@@ -4602,7 +4681,12 @@
             <p:ph type="title"/>
           </p:nvPr>
         </p:nvSpPr>
-        <p:spPr/>
+        <p:spPr>
+          <a:xfrm>
+            <a:off x="946404" y="349591"/>
+            <a:ext cx="7269480" cy="1325562"/>
+          </a:xfrm>
+        </p:spPr>
         <p:txBody>
           <a:bodyPr>
             <a:normAutofit/>
@@ -4610,26 +4694,10 @@
           <a:lstStyle/>
           <a:p>
             <a:r>
-              <a:rPr lang="en-US" sz="3400" dirty="0"/>
-              <a:t>API</a:t>
-            </a:r>
-            <a:r>
-              <a:rPr sz="3400" dirty="0"/>
-              <a:t> Test</a:t>
-            </a:r>
-            <a:r>
-              <a:rPr lang="en-US" sz="3400" dirty="0"/>
-              <a:t>ing</a:t>
-            </a:r>
-            <a:r>
-              <a:rPr sz="3400" dirty="0"/>
-              <a:t> S</a:t>
-            </a:r>
-            <a:r>
-              <a:rPr lang="en-US" sz="3400" dirty="0"/>
-              <a:t>tatus Codes</a:t>
-            </a:r>
-            <a:endParaRPr sz="3400" dirty="0"/>
+              <a:rPr lang="en-US" sz="3200" dirty="0"/>
+              <a:t>Tools/Framework Overview:</a:t>
+            </a:r>
+            <a:endParaRPr sz="3200" dirty="0"/>
           </a:p>
         </p:txBody>
       </p:sp>
@@ -4645,8 +4713,8 @@
         </p:nvSpPr>
         <p:spPr>
           <a:xfrm>
-            <a:off x="946404" y="1828801"/>
-            <a:ext cx="6446520" cy="4299856"/>
+            <a:off x="1033489" y="1675153"/>
+            <a:ext cx="6695367" cy="4703875"/>
           </a:xfrm>
         </p:spPr>
         <p:txBody>
@@ -4659,20 +4727,15 @@
               <a:buNone/>
             </a:pPr>
             <a:r>
+              <a:rPr lang="en-US" sz="2200" b="1" dirty="0"/>
+              <a:t>Rest Assured:</a:t>
+            </a:r>
+            <a:endParaRPr sz="2200" b="1" dirty="0"/>
+          </a:p>
+          <a:p>
+            <a:r>
               <a:rPr lang="en-US" dirty="0"/>
-              <a:t>=&gt;</a:t>
-            </a:r>
-            <a:r>
-              <a:rPr lang="en-US" b="1" dirty="0"/>
-              <a:t>200, 201</a:t>
-            </a:r>
-            <a:r>
-              <a:rPr b="1" dirty="0"/>
-              <a:t>: </a:t>
-            </a:r>
-            <a:r>
-              <a:rPr lang="en-US" b="1" dirty="0"/>
-              <a:t>Success Codes</a:t>
+              <a:t>Java library for REST API automation.</a:t>
             </a:r>
           </a:p>
           <a:p>
@@ -4680,67 +4743,50 @@
               <a:buNone/>
             </a:pPr>
             <a:r>
+              <a:rPr lang="en-US" sz="2200" b="1" dirty="0"/>
+              <a:t>TestNG:</a:t>
+            </a:r>
+          </a:p>
+          <a:p>
+            <a:r>
               <a:rPr lang="en-US" dirty="0"/>
-              <a:t>200-Request succeeded and response contains result</a:t>
-            </a:r>
-          </a:p>
-          <a:p>
-            <a:pPr marL="0" indent="0">
-              <a:buNone/>
-            </a:pPr>
+              <a:t>Testing framework for structuring and managing test cases.</a:t>
+            </a:r>
+          </a:p>
+          <a:p>
             <a:r>
               <a:rPr lang="en-US" dirty="0"/>
-              <a:t>201-Resource successfully created</a:t>
-            </a:r>
-          </a:p>
-          <a:p>
-            <a:pPr marL="0" indent="0">
-              <a:buNone/>
-            </a:pPr>
+              <a:t>Use @Test annotations to define &amp; prioritize test cases.</a:t>
+            </a:r>
+          </a:p>
+          <a:p>
             <a:r>
               <a:rPr lang="en-US" dirty="0"/>
-              <a:t>=&gt;</a:t>
-            </a:r>
-            <a:r>
-              <a:rPr lang="en-US" b="1" dirty="0"/>
-              <a:t>400,401,404 and 405 (Client Error Codes)</a:t>
-            </a:r>
-          </a:p>
-          <a:p>
-            <a:pPr marL="0" indent="0">
-              <a:buNone/>
-            </a:pPr>
+              <a:t>Use @BeforeClass for setup (payload, authentication </a:t>
+            </a:r>
+            <a:r>
+              <a:rPr lang="en-US" dirty="0" err="1"/>
+              <a:t>etc</a:t>
+            </a:r>
             <a:r>
               <a:rPr lang="en-US" dirty="0"/>
-              <a:t>400-Bad Request(Invalid input or malformed syntax)</a:t>
-            </a:r>
-          </a:p>
-          <a:p>
-            <a:pPr marL="0" indent="0">
-              <a:buNone/>
-            </a:pPr>
+              <a:t>).</a:t>
+            </a:r>
+          </a:p>
+          <a:p>
             <a:r>
               <a:rPr lang="en-US" dirty="0"/>
-              <a:t>401-Unauthorized(Authentication required or failed)</a:t>
-            </a:r>
-          </a:p>
-          <a:p>
-            <a:pPr marL="0" indent="0">
-              <a:buNone/>
-            </a:pPr>
-            <a:r>
-              <a:rPr lang="en-US" dirty="0"/>
-              <a:t>403-Not Found(Resource doesn’t exist)</a:t>
-            </a:r>
-          </a:p>
-          <a:p>
-            <a:pPr marL="0" indent="0">
-              <a:buNone/>
-            </a:pPr>
-            <a:r>
-              <a:rPr lang="en-US" dirty="0"/>
-              <a:t>405-(Method Not Allowed(HTTP method not supported for endpoint)</a:t>
-            </a:r>
+              <a:t>Use assertions to validate API responses.</a:t>
+            </a:r>
+          </a:p>
+          <a:p>
+            <a:endParaRPr lang="en-US" dirty="0"/>
+          </a:p>
+          <a:p>
+            <a:endParaRPr lang="en-US" dirty="0"/>
+          </a:p>
+          <a:p>
+            <a:endParaRPr dirty="0"/>
           </a:p>
         </p:txBody>
       </p:sp>
@@ -4787,10 +4833,10 @@
           <a:lstStyle/>
           <a:p>
             <a:r>
-              <a:rPr lang="en-US" sz="3000" dirty="0"/>
-              <a:t>API Testing Status Codes</a:t>
-            </a:r>
-            <a:endParaRPr sz="3000" dirty="0"/>
+              <a:rPr lang="en-US" sz="3200" dirty="0"/>
+              <a:t>Tools/Framework Overview:</a:t>
+            </a:r>
+            <a:endParaRPr sz="3200" dirty="0"/>
           </a:p>
         </p:txBody>
       </p:sp>
@@ -4807,23 +4853,39 @@
         <p:spPr>
           <a:xfrm>
             <a:off x="946404" y="1828801"/>
-            <a:ext cx="6446520" cy="1676399"/>
+            <a:ext cx="6446520" cy="4278085"/>
           </a:xfrm>
         </p:spPr>
         <p:txBody>
-          <a:bodyPr/>
+          <a:bodyPr>
+            <a:normAutofit lnSpcReduction="10000"/>
+          </a:bodyPr>
           <a:lstStyle/>
           <a:p>
             <a:pPr marL="0" indent="0">
               <a:buNone/>
             </a:pPr>
             <a:r>
+              <a:rPr lang="en-US" sz="2200" b="1" dirty="0"/>
+              <a:t>Extent Reports:</a:t>
+            </a:r>
+          </a:p>
+          <a:p>
+            <a:r>
               <a:rPr lang="en-US" dirty="0"/>
-              <a:t>=&gt;</a:t>
-            </a:r>
-            <a:r>
-              <a:rPr lang="en-US" b="1" dirty="0"/>
-              <a:t>500, 503 (Server Error Codes)</a:t>
+              <a:t>Library for generating interactive HTML reports.</a:t>
+            </a:r>
+          </a:p>
+          <a:p>
+            <a:r>
+              <a:rPr lang="en-US" dirty="0"/>
+              <a:t>Integrates with TestNG listeners for automated report generation.</a:t>
+            </a:r>
+          </a:p>
+          <a:p>
+            <a:r>
+              <a:rPr lang="en-US" dirty="0"/>
+              <a:t>Capture request/response logs and pass/fail status for each test case</a:t>
             </a:r>
           </a:p>
           <a:p>
@@ -4831,8 +4893,14 @@
               <a:buNone/>
             </a:pPr>
             <a:r>
+              <a:rPr lang="en-US" sz="2200" b="1" dirty="0"/>
+              <a:t>Eclipse:</a:t>
+            </a:r>
+          </a:p>
+          <a:p>
+            <a:r>
               <a:rPr lang="en-US" dirty="0"/>
-              <a:t>500-Internal Server Error (Generic server failure)</a:t>
+              <a:t>open-source IDE, built on a plugin-based architecture</a:t>
             </a:r>
           </a:p>
           <a:p>
@@ -4840,89 +4908,21 @@
               <a:buNone/>
             </a:pPr>
             <a:r>
+              <a:rPr lang="en-US" sz="2200" b="1" dirty="0"/>
+              <a:t>Maven:</a:t>
+            </a:r>
+          </a:p>
+          <a:p>
+            <a:r>
               <a:rPr lang="en-US" dirty="0"/>
-              <a:t>503-Service Unavailable (Server temporarily down)</a:t>
-            </a:r>
-          </a:p>
-          <a:p>
-            <a:pPr marL="0" indent="0">
-              <a:buNone/>
-            </a:pPr>
+              <a:t>Ensures dependency management and build automation</a:t>
+            </a:r>
+          </a:p>
+          <a:p>
             <a:endParaRPr lang="en-US" dirty="0"/>
           </a:p>
-        </p:txBody>
-      </p:sp>
-      <p:sp>
-        <p:nvSpPr>
-          <p:cNvPr id="5" name="TextBox 4">
-            <a:extLst>
-              <a:ext uri="{FF2B5EF4-FFF2-40B4-BE49-F238E27FC236}">
-                <a16:creationId xmlns:a16="http://schemas.microsoft.com/office/drawing/2014/main" id="{686D72B1-7D87-B3C5-D6B0-0BE8760E477B}"/>
-              </a:ext>
-            </a:extLst>
-          </p:cNvPr>
-          <p:cNvSpPr txBox="1"/>
-          <p:nvPr/>
-        </p:nvSpPr>
-        <p:spPr>
-          <a:xfrm>
-            <a:off x="946404" y="3429000"/>
-            <a:ext cx="4577442" cy="553998"/>
-          </a:xfrm>
-          <a:prstGeom prst="rect">
-            <a:avLst/>
-          </a:prstGeom>
-          <a:noFill/>
-        </p:spPr>
-        <p:txBody>
-          <a:bodyPr wrap="square">
-            <a:spAutoFit/>
-          </a:bodyPr>
-          <a:lstStyle/>
-          <a:p>
-            <a:r>
-              <a:rPr lang="en-US" sz="3000" dirty="0"/>
-              <a:t>Assumptions</a:t>
-            </a:r>
-            <a:r>
-              <a:rPr lang="en-US" dirty="0"/>
-              <a:t>:</a:t>
-            </a:r>
-          </a:p>
-        </p:txBody>
-      </p:sp>
-      <p:sp>
-        <p:nvSpPr>
-          <p:cNvPr id="7" name="TextBox 6">
-            <a:extLst>
-              <a:ext uri="{FF2B5EF4-FFF2-40B4-BE49-F238E27FC236}">
-                <a16:creationId xmlns:a16="http://schemas.microsoft.com/office/drawing/2014/main" id="{E342496E-9014-B4AD-ADA9-A7443A8F0B07}"/>
-              </a:ext>
-            </a:extLst>
-          </p:cNvPr>
-          <p:cNvSpPr txBox="1"/>
-          <p:nvPr/>
-        </p:nvSpPr>
-        <p:spPr>
-          <a:xfrm>
-            <a:off x="946404" y="3992434"/>
-            <a:ext cx="6446520" cy="1477328"/>
-          </a:xfrm>
-          <a:prstGeom prst="rect">
-            <a:avLst/>
-          </a:prstGeom>
-          <a:noFill/>
-        </p:spPr>
-        <p:txBody>
-          <a:bodyPr wrap="square">
-            <a:spAutoFit/>
-          </a:bodyPr>
-          <a:lstStyle/>
-          <a:p>
-            <a:r>
-              <a:rPr lang="en-US" dirty="0"/>
-              <a:t>Negative scenarios will focus on invalid inputs, unauthorized access attempts, and simulated server failures, assuming that the API layers responsible for these responses are properly deployed and configured in the test environment</a:t>
-            </a:r>
+          <a:p>
+            <a:endParaRPr lang="en-US" dirty="0"/>
           </a:p>
         </p:txBody>
       </p:sp>
